--- a/presentacion/demo.pptx
+++ b/presentacion/demo.pptx
@@ -214,7 +214,7 @@
           <a:p>
             <a:fld id="{4157212B-118B-4058-9B78-0BF04C0223EB}" type="datetimeFigureOut">
               <a:rPr lang="en-GB" smtClean="0"/>
-              <a:t>19/03/2018</a:t>
+              <a:t>20/03/2018</a:t>
             </a:fld>
             <a:endParaRPr lang="en-GB"/>
           </a:p>
@@ -995,7 +995,7 @@
           <a:p>
             <a:fld id="{DE7CA698-4D04-4307-B112-7F3118797394}" type="datetimeFigureOut">
               <a:rPr lang="es-ES" smtClean="0"/>
-              <a:t>19/03/2018</a:t>
+              <a:t>20/03/2018</a:t>
             </a:fld>
             <a:endParaRPr lang="es-ES"/>
           </a:p>
@@ -1165,7 +1165,7 @@
           <a:p>
             <a:fld id="{DE7CA698-4D04-4307-B112-7F3118797394}" type="datetimeFigureOut">
               <a:rPr lang="es-ES" smtClean="0"/>
-              <a:t>19/03/2018</a:t>
+              <a:t>20/03/2018</a:t>
             </a:fld>
             <a:endParaRPr lang="es-ES"/>
           </a:p>
@@ -1345,7 +1345,7 @@
           <a:p>
             <a:fld id="{DE7CA698-4D04-4307-B112-7F3118797394}" type="datetimeFigureOut">
               <a:rPr lang="es-ES" smtClean="0"/>
-              <a:t>19/03/2018</a:t>
+              <a:t>20/03/2018</a:t>
             </a:fld>
             <a:endParaRPr lang="es-ES"/>
           </a:p>
@@ -1463,7 +1463,7 @@
           <a:p>
             <a:fld id="{DE7CA698-4D04-4307-B112-7F3118797394}" type="datetimeFigureOut">
               <a:rPr lang="es-ES" smtClean="0"/>
-              <a:t>19/03/2018</a:t>
+              <a:t>20/03/2018</a:t>
             </a:fld>
             <a:endParaRPr lang="es-ES"/>
           </a:p>
@@ -1633,7 +1633,7 @@
           <a:p>
             <a:fld id="{DE7CA698-4D04-4307-B112-7F3118797394}" type="datetimeFigureOut">
               <a:rPr lang="es-ES" smtClean="0"/>
-              <a:t>19/03/2018</a:t>
+              <a:t>20/03/2018</a:t>
             </a:fld>
             <a:endParaRPr lang="es-ES"/>
           </a:p>
@@ -1879,7 +1879,7 @@
           <a:p>
             <a:fld id="{DE7CA698-4D04-4307-B112-7F3118797394}" type="datetimeFigureOut">
               <a:rPr lang="es-ES" smtClean="0"/>
-              <a:t>19/03/2018</a:t>
+              <a:t>20/03/2018</a:t>
             </a:fld>
             <a:endParaRPr lang="es-ES"/>
           </a:p>
@@ -2111,7 +2111,7 @@
           <a:p>
             <a:fld id="{DE7CA698-4D04-4307-B112-7F3118797394}" type="datetimeFigureOut">
               <a:rPr lang="es-ES" smtClean="0"/>
-              <a:t>19/03/2018</a:t>
+              <a:t>20/03/2018</a:t>
             </a:fld>
             <a:endParaRPr lang="es-ES"/>
           </a:p>
@@ -2478,7 +2478,7 @@
           <a:p>
             <a:fld id="{DE7CA698-4D04-4307-B112-7F3118797394}" type="datetimeFigureOut">
               <a:rPr lang="es-ES" smtClean="0"/>
-              <a:t>19/03/2018</a:t>
+              <a:t>20/03/2018</a:t>
             </a:fld>
             <a:endParaRPr lang="es-ES"/>
           </a:p>
@@ -2596,7 +2596,7 @@
           <a:p>
             <a:fld id="{DE7CA698-4D04-4307-B112-7F3118797394}" type="datetimeFigureOut">
               <a:rPr lang="es-ES" smtClean="0"/>
-              <a:t>19/03/2018</a:t>
+              <a:t>20/03/2018</a:t>
             </a:fld>
             <a:endParaRPr lang="es-ES"/>
           </a:p>
@@ -2691,7 +2691,7 @@
           <a:p>
             <a:fld id="{DE7CA698-4D04-4307-B112-7F3118797394}" type="datetimeFigureOut">
               <a:rPr lang="es-ES" smtClean="0"/>
-              <a:t>19/03/2018</a:t>
+              <a:t>20/03/2018</a:t>
             </a:fld>
             <a:endParaRPr lang="es-ES"/>
           </a:p>
@@ -2968,7 +2968,7 @@
           <a:p>
             <a:fld id="{DE7CA698-4D04-4307-B112-7F3118797394}" type="datetimeFigureOut">
               <a:rPr lang="es-ES" smtClean="0"/>
-              <a:t>19/03/2018</a:t>
+              <a:t>20/03/2018</a:t>
             </a:fld>
             <a:endParaRPr lang="es-ES"/>
           </a:p>
@@ -3221,7 +3221,7 @@
           <a:p>
             <a:fld id="{DE7CA698-4D04-4307-B112-7F3118797394}" type="datetimeFigureOut">
               <a:rPr lang="es-ES" smtClean="0"/>
-              <a:t>19/03/2018</a:t>
+              <a:t>20/03/2018</a:t>
             </a:fld>
             <a:endParaRPr lang="es-ES"/>
           </a:p>
@@ -3434,7 +3434,7 @@
           <a:p>
             <a:fld id="{DE7CA698-4D04-4307-B112-7F3118797394}" type="datetimeFigureOut">
               <a:rPr lang="es-ES" smtClean="0"/>
-              <a:t>19/03/2018</a:t>
+              <a:t>20/03/2018</a:t>
             </a:fld>
             <a:endParaRPr lang="es-ES"/>
           </a:p>
@@ -4135,11 +4135,11 @@
   <p:clrMapOvr>
     <a:masterClrMapping/>
   </p:clrMapOvr>
-  <mc:AlternateContent xmlns:mc="http://schemas.openxmlformats.org/markup-compatibility/2006">
-    <mc:Choice xmlns:p14="http://schemas.microsoft.com/office/powerpoint/2010/main" Requires="p14">
+  <mc:AlternateContent xmlns:mc="http://schemas.openxmlformats.org/markup-compatibility/2006" xmlns:p14="http://schemas.microsoft.com/office/powerpoint/2010/main">
+    <mc:Choice Requires="p14">
       <p:transition spd="slow" p14:dur="2000"/>
     </mc:Choice>
-    <mc:Fallback>
+    <mc:Fallback xmlns="">
       <p:transition spd="slow"/>
     </mc:Fallback>
   </mc:AlternateContent>
@@ -4459,52 +4459,6 @@
           </a:p>
         </p:txBody>
       </p:sp>
-      <p:sp>
-        <p:nvSpPr>
-          <p:cNvPr id="11" name="Rectángulo 10"/>
-          <p:cNvSpPr/>
-          <p:nvPr/>
-        </p:nvSpPr>
-        <p:spPr>
-          <a:xfrm>
-            <a:off x="8717280" y="1813561"/>
-            <a:ext cx="2865120" cy="213360"/>
-          </a:xfrm>
-          <a:prstGeom prst="rect">
-            <a:avLst/>
-          </a:prstGeom>
-          <a:noFill/>
-          <a:ln w="38100">
-            <a:solidFill>
-              <a:srgbClr val="C00000"/>
-            </a:solidFill>
-          </a:ln>
-        </p:spPr>
-        <p:style>
-          <a:lnRef idx="2">
-            <a:schemeClr val="accent1">
-              <a:shade val="50000"/>
-            </a:schemeClr>
-          </a:lnRef>
-          <a:fillRef idx="1">
-            <a:schemeClr val="accent1"/>
-          </a:fillRef>
-          <a:effectRef idx="0">
-            <a:schemeClr val="accent1"/>
-          </a:effectRef>
-          <a:fontRef idx="minor">
-            <a:schemeClr val="lt1"/>
-          </a:fontRef>
-        </p:style>
-        <p:txBody>
-          <a:bodyPr rtlCol="0" anchor="ctr"/>
-          <a:lstStyle/>
-          <a:p>
-            <a:pPr algn="ctr"/>
-            <a:endParaRPr lang="es-ES"/>
-          </a:p>
-        </p:txBody>
-      </p:sp>
     </p:spTree>
     <p:extLst>
       <p:ext uri="{BB962C8B-B14F-4D97-AF65-F5344CB8AC3E}">
@@ -4515,11 +4469,11 @@
   <p:clrMapOvr>
     <a:masterClrMapping/>
   </p:clrMapOvr>
-  <mc:AlternateContent xmlns:mc="http://schemas.openxmlformats.org/markup-compatibility/2006">
-    <mc:Choice xmlns:p14="http://schemas.microsoft.com/office/powerpoint/2010/main" Requires="p14">
+  <mc:AlternateContent xmlns:mc="http://schemas.openxmlformats.org/markup-compatibility/2006" xmlns:p14="http://schemas.microsoft.com/office/powerpoint/2010/main">
+    <mc:Choice Requires="p14">
       <p:transition spd="slow" p14:dur="2000"/>
     </mc:Choice>
-    <mc:Fallback>
+    <mc:Fallback xmlns="">
       <p:transition spd="slow"/>
     </mc:Fallback>
   </mc:AlternateContent>
@@ -4799,11 +4753,11 @@
   <p:clrMapOvr>
     <a:masterClrMapping/>
   </p:clrMapOvr>
-  <mc:AlternateContent xmlns:mc="http://schemas.openxmlformats.org/markup-compatibility/2006">
-    <mc:Choice xmlns:p14="http://schemas.microsoft.com/office/powerpoint/2010/main" Requires="p14">
+  <mc:AlternateContent xmlns:mc="http://schemas.openxmlformats.org/markup-compatibility/2006" xmlns:p14="http://schemas.microsoft.com/office/powerpoint/2010/main">
+    <mc:Choice Requires="p14">
       <p:transition spd="slow" p14:dur="2000"/>
     </mc:Choice>
-    <mc:Fallback>
+    <mc:Fallback xmlns="">
       <p:transition spd="slow"/>
     </mc:Fallback>
   </mc:AlternateContent>
@@ -5006,6 +4960,13 @@
   <p:clrMapOvr>
     <a:masterClrMapping/>
   </p:clrMapOvr>
+  <p:timing>
+    <p:tnLst>
+      <p:par>
+        <p:cTn id="1" dur="indefinite" restart="never" nodeType="tmRoot"/>
+      </p:par>
+    </p:tnLst>
+  </p:timing>
 </p:sld>
 </file>
 
@@ -5060,6 +5021,13 @@
   <p:clrMapOvr>
     <a:masterClrMapping/>
   </p:clrMapOvr>
+  <p:timing>
+    <p:tnLst>
+      <p:par>
+        <p:cTn id="1" dur="indefinite" restart="never" nodeType="tmRoot"/>
+      </p:par>
+    </p:tnLst>
+  </p:timing>
 </p:sld>
 </file>
 
